--- a/docs/MarkerlessAR_FinalDemo.pptx
+++ b/docs/MarkerlessAR_FinalDemo.pptx
@@ -5,7 +5,7 @@
     <p:sldMasterId id="2147483648" r:id="rId1"/>
   </p:sldMasterIdLst>
   <p:notesMasterIdLst>
-    <p:notesMasterId r:id="rId11"/>
+    <p:notesMasterId r:id="rId12"/>
   </p:notesMasterIdLst>
   <p:sldIdLst>
     <p:sldId id="258" r:id="rId2"/>
@@ -16,7 +16,8 @@
     <p:sldId id="299" r:id="rId7"/>
     <p:sldId id="304" r:id="rId8"/>
     <p:sldId id="305" r:id="rId9"/>
-    <p:sldId id="306" r:id="rId10"/>
+    <p:sldId id="308" r:id="rId10"/>
+    <p:sldId id="306" r:id="rId11"/>
   </p:sldIdLst>
   <p:sldSz cx="9144000" cy="6858000" type="screen4x3"/>
   <p:notesSz cx="6858000" cy="9144000"/>
@@ -3284,13 +3285,13 @@
               <a:buFont typeface="Arial" panose="020B0604020202020204" pitchFamily="34" charset="0"/>
             </a:pPr>
             <a:r>
-              <a:rPr lang="en-US" sz="3200" dirty="0">
+              <a:rPr lang="en-US" sz="3200" b="1" dirty="0">
                 <a:latin typeface="Times New Roman" panose="02020603050405020304" pitchFamily="18" charset="0"/>
                 <a:cs typeface="Times New Roman" panose="02020603050405020304" pitchFamily="18" charset="0"/>
               </a:rPr>
               <a:t>A Markerless Augmented Reality System for Mobile Devices</a:t>
             </a:r>
-            <a:endParaRPr lang="de-DE" sz="3200" kern="1200" dirty="0">
+            <a:endParaRPr lang="de-DE" sz="3200" b="1" kern="1200" dirty="0">
               <a:solidFill>
                 <a:schemeClr val="tx1"/>
               </a:solidFill>
@@ -3309,7 +3310,7 @@
         </p:nvSpPr>
         <p:spPr>
           <a:xfrm>
-            <a:off x="1979712" y="4365104"/>
+            <a:off x="2208175" y="4869160"/>
             <a:ext cx="4680520" cy="1618905"/>
           </a:xfrm>
           <a:prstGeom prst="rect">
@@ -3325,6 +3326,20 @@
           <a:p>
             <a:pPr algn="ctr"/>
             <a:r>
+              <a:rPr lang="en-US" sz="1800" dirty="0" err="1">
+                <a:latin typeface="Times New Roman" panose="02020603050405020304" pitchFamily="18" charset="0"/>
+                <a:cs typeface="Times New Roman" panose="02020603050405020304" pitchFamily="18" charset="0"/>
+              </a:rPr>
+              <a:t>Ramanpreet</a:t>
+            </a:r>
+            <a:r>
+              <a:rPr lang="en-US" sz="1800" dirty="0">
+                <a:latin typeface="Times New Roman" panose="02020603050405020304" pitchFamily="18" charset="0"/>
+                <a:cs typeface="Times New Roman" panose="02020603050405020304" pitchFamily="18" charset="0"/>
+              </a:rPr>
+              <a:t> Kaur &amp; </a:t>
+            </a:r>
+            <a:r>
               <a:rPr lang="de-DE" sz="1800" dirty="0">
                 <a:latin typeface="Times New Roman" panose="02020603050405020304" pitchFamily="18" charset="0"/>
                 <a:cs typeface="Times New Roman" panose="02020603050405020304" pitchFamily="18" charset="0"/>
@@ -3336,12 +3351,8 @@
                 <a:latin typeface="Times New Roman" panose="02020603050405020304" pitchFamily="18" charset="0"/>
                 <a:cs typeface="Times New Roman" panose="02020603050405020304" pitchFamily="18" charset="0"/>
               </a:rPr>
-              <a:t> &amp; Ramanpreet Kaur</a:t>
-            </a:r>
-            <a:endParaRPr lang="de-DE" sz="1800" dirty="0">
-              <a:latin typeface="Times New Roman" panose="02020603050405020304" pitchFamily="18" charset="0"/>
-              <a:cs typeface="Times New Roman" panose="02020603050405020304" pitchFamily="18" charset="0"/>
-            </a:endParaRPr>
+              <a:t> </a:t>
+            </a:r>
           </a:p>
           <a:p>
             <a:pPr algn="ctr"/>
@@ -3570,7 +3581,17 @@
           </a:lstStyle>
           <a:p>
             <a:pPr eaLnBrk="1" hangingPunct="1"/>
-            <a:endParaRPr lang="de-DE" altLang="en-US" sz="3200" b="1" kern="0" dirty="0">
+            <a:r>
+              <a:rPr lang="en-US" altLang="en-US" sz="2800" b="1" kern="0" dirty="0">
+                <a:solidFill>
+                  <a:schemeClr val="tx1"/>
+                </a:solidFill>
+                <a:latin typeface="Times New Roman" panose="02020603050405020304" pitchFamily="18" charset="0"/>
+                <a:cs typeface="Times New Roman" panose="02020603050405020304" pitchFamily="18" charset="0"/>
+              </a:rPr>
+              <a:t>Building Mobile And Web Apps</a:t>
+            </a:r>
+            <a:endParaRPr lang="de-DE" altLang="en-US" sz="2800" b="1" kern="0" dirty="0">
               <a:solidFill>
                 <a:schemeClr val="tx1"/>
               </a:solidFill>
@@ -3581,6 +3602,107 @@
         </p:txBody>
       </p:sp>
     </p:spTree>
+  </p:cSld>
+  <p:clrMapOvr>
+    <a:masterClrMapping/>
+  </p:clrMapOvr>
+</p:sld>
+</file>
+
+<file path=ppt/slides/slide10.xml><?xml version="1.0" encoding="utf-8"?>
+<p:sld xmlns:a="http://schemas.openxmlformats.org/drawingml/2006/main" xmlns:r="http://schemas.openxmlformats.org/officeDocument/2006/relationships" xmlns:p="http://schemas.openxmlformats.org/presentationml/2006/main">
+  <p:cSld>
+    <p:spTree>
+      <p:nvGrpSpPr>
+        <p:cNvPr id="1" name=""/>
+        <p:cNvGrpSpPr/>
+        <p:nvPr/>
+      </p:nvGrpSpPr>
+      <p:grpSpPr>
+        <a:xfrm>
+          <a:off x="0" y="0"/>
+          <a:ext cx="0" cy="0"/>
+          <a:chOff x="0" y="0"/>
+          <a:chExt cx="0" cy="0"/>
+        </a:xfrm>
+      </p:grpSpPr>
+      <p:sp>
+        <p:nvSpPr>
+          <p:cNvPr id="3" name="Content Placeholder 2"/>
+          <p:cNvSpPr>
+            <a:spLocks noGrp="1"/>
+          </p:cNvSpPr>
+          <p:nvPr>
+            <p:ph idx="1"/>
+          </p:nvPr>
+        </p:nvSpPr>
+        <p:spPr>
+          <a:xfrm>
+            <a:off x="251520" y="2348880"/>
+            <a:ext cx="8305800" cy="3429000"/>
+          </a:xfrm>
+        </p:spPr>
+        <p:txBody>
+          <a:bodyPr/>
+          <a:lstStyle/>
+          <a:p>
+            <a:pPr marL="0" indent="0" algn="ctr">
+              <a:buNone/>
+            </a:pPr>
+            <a:endParaRPr lang="en-US" dirty="0"/>
+          </a:p>
+          <a:p>
+            <a:pPr marL="0" indent="0" algn="ctr">
+              <a:buNone/>
+            </a:pPr>
+            <a:endParaRPr lang="en-US" dirty="0"/>
+          </a:p>
+          <a:p>
+            <a:pPr marL="0" indent="0" algn="ctr">
+              <a:buNone/>
+            </a:pPr>
+            <a:r>
+              <a:rPr lang="en-US" dirty="0"/>
+              <a:t>Thank You!</a:t>
+            </a:r>
+            <a:endParaRPr lang="de-DE" dirty="0"/>
+          </a:p>
+        </p:txBody>
+      </p:sp>
+      <p:sp>
+        <p:nvSpPr>
+          <p:cNvPr id="4" name="Slide Number Placeholder 3"/>
+          <p:cNvSpPr>
+            <a:spLocks noGrp="1"/>
+          </p:cNvSpPr>
+          <p:nvPr>
+            <p:ph type="sldNum" sz="quarter" idx="10"/>
+          </p:nvPr>
+        </p:nvSpPr>
+        <p:spPr/>
+        <p:txBody>
+          <a:bodyPr/>
+          <a:lstStyle/>
+          <a:p>
+            <a:r>
+              <a:rPr lang="de-DE"/>
+              <a:t>Seite </a:t>
+            </a:r>
+            <a:fld id="{4AEBADC7-4A78-4A5F-BE89-B1BF7900E49E}" type="slidenum">
+              <a:rPr lang="de-DE" smtClean="0"/>
+              <a:pPr/>
+              <a:t>9</a:t>
+            </a:fld>
+            <a:endParaRPr lang="de-DE" sz="1400"/>
+          </a:p>
+        </p:txBody>
+      </p:sp>
+    </p:spTree>
+    <p:extLst>
+      <p:ext uri="{BB962C8B-B14F-4D97-AF65-F5344CB8AC3E}">
+        <p14:creationId xmlns:p14="http://schemas.microsoft.com/office/powerpoint/2010/main" val="533285218"/>
+      </p:ext>
+    </p:extLst>
   </p:cSld>
   <p:clrMapOvr>
     <a:masterClrMapping/>
@@ -3621,10 +3743,16 @@
           <a:lstStyle/>
           <a:p>
             <a:r>
-              <a:rPr lang="en-US" dirty="0"/>
+              <a:rPr lang="en-US" sz="3200" b="1" dirty="0">
+                <a:latin typeface="Times New Roman" panose="02020603050405020304" pitchFamily="18" charset="0"/>
+                <a:cs typeface="Times New Roman" panose="02020603050405020304" pitchFamily="18" charset="0"/>
+              </a:rPr>
               <a:t>Table of Contents</a:t>
             </a:r>
-            <a:endParaRPr lang="de-DE" dirty="0"/>
+            <a:endParaRPr lang="de-DE" sz="3200" b="1" dirty="0">
+              <a:latin typeface="Times New Roman" panose="02020603050405020304" pitchFamily="18" charset="0"/>
+              <a:cs typeface="Times New Roman" panose="02020603050405020304" pitchFamily="18" charset="0"/>
+            </a:endParaRPr>
           </a:p>
         </p:txBody>
       </p:sp>
@@ -3644,31 +3772,46 @@
           <a:lstStyle/>
           <a:p>
             <a:r>
-              <a:rPr lang="en-US" dirty="0"/>
+              <a:rPr lang="en-US" sz="2400" dirty="0">
+                <a:latin typeface="Times New Roman" panose="02020603050405020304" pitchFamily="18" charset="0"/>
+                <a:cs typeface="Times New Roman" panose="02020603050405020304" pitchFamily="18" charset="0"/>
+              </a:rPr>
               <a:t>Paper summary</a:t>
             </a:r>
           </a:p>
           <a:p>
             <a:r>
-              <a:rPr lang="en-US" dirty="0"/>
+              <a:rPr lang="en-US" sz="2400" dirty="0">
+                <a:latin typeface="Times New Roman" panose="02020603050405020304" pitchFamily="18" charset="0"/>
+                <a:cs typeface="Times New Roman" panose="02020603050405020304" pitchFamily="18" charset="0"/>
+              </a:rPr>
               <a:t>System Architecture </a:t>
             </a:r>
           </a:p>
           <a:p>
             <a:r>
-              <a:rPr lang="en-US" dirty="0"/>
+              <a:rPr lang="en-US" sz="2400" dirty="0">
+                <a:latin typeface="Times New Roman" panose="02020603050405020304" pitchFamily="18" charset="0"/>
+                <a:cs typeface="Times New Roman" panose="02020603050405020304" pitchFamily="18" charset="0"/>
+              </a:rPr>
               <a:t>Implementation</a:t>
             </a:r>
           </a:p>
           <a:p>
             <a:r>
-              <a:rPr lang="en-US" dirty="0"/>
+              <a:rPr lang="en-US" sz="2400" dirty="0">
+                <a:latin typeface="Times New Roman" panose="02020603050405020304" pitchFamily="18" charset="0"/>
+                <a:cs typeface="Times New Roman" panose="02020603050405020304" pitchFamily="18" charset="0"/>
+              </a:rPr>
               <a:t>Client Apps</a:t>
             </a:r>
           </a:p>
           <a:p>
             <a:r>
-              <a:rPr lang="en-US" dirty="0"/>
+              <a:rPr lang="en-US" sz="2400" dirty="0">
+                <a:latin typeface="Times New Roman" panose="02020603050405020304" pitchFamily="18" charset="0"/>
+                <a:cs typeface="Times New Roman" panose="02020603050405020304" pitchFamily="18" charset="0"/>
+              </a:rPr>
               <a:t>Live Demo</a:t>
             </a:r>
           </a:p>
@@ -3751,10 +3894,16 @@
           <a:lstStyle/>
           <a:p>
             <a:r>
-              <a:rPr lang="en-US" dirty="0"/>
+              <a:rPr lang="en-US" sz="3200" b="1" dirty="0">
+                <a:latin typeface="Times New Roman" panose="02020603050405020304" pitchFamily="18" charset="0"/>
+                <a:cs typeface="Times New Roman" panose="02020603050405020304" pitchFamily="18" charset="0"/>
+              </a:rPr>
               <a:t>Paper Summary</a:t>
             </a:r>
-            <a:endParaRPr lang="de-DE" dirty="0"/>
+            <a:endParaRPr lang="de-DE" sz="3200" b="1" dirty="0">
+              <a:latin typeface="Times New Roman" panose="02020603050405020304" pitchFamily="18" charset="0"/>
+              <a:cs typeface="Times New Roman" panose="02020603050405020304" pitchFamily="18" charset="0"/>
+            </a:endParaRPr>
           </a:p>
         </p:txBody>
       </p:sp>
@@ -3774,29 +3923,44 @@
           <a:lstStyle/>
           <a:p>
             <a:r>
-              <a:rPr lang="de-DE" sz="2400" dirty="0"/>
+              <a:rPr lang="de-DE" sz="2400" dirty="0">
+                <a:latin typeface="Times New Roman" panose="02020603050405020304" pitchFamily="18" charset="0"/>
+                <a:cs typeface="Times New Roman" panose="02020603050405020304" pitchFamily="18" charset="0"/>
+              </a:rPr>
               <a:t>A Markerless Augmented Reality System for Mobile Devices</a:t>
             </a:r>
           </a:p>
           <a:p>
             <a:r>
-              <a:rPr lang="de-DE" sz="2400" dirty="0"/>
+              <a:rPr lang="de-DE" sz="2400" dirty="0">
+                <a:latin typeface="Times New Roman" panose="02020603050405020304" pitchFamily="18" charset="0"/>
+                <a:cs typeface="Times New Roman" panose="02020603050405020304" pitchFamily="18" charset="0"/>
+              </a:rPr>
               <a:t>Research done by Alex Ufkes and Mark Fiala</a:t>
             </a:r>
           </a:p>
           <a:p>
             <a:r>
-              <a:rPr lang="de-DE" sz="2400" dirty="0"/>
+              <a:rPr lang="de-DE" sz="2400" dirty="0">
+                <a:latin typeface="Times New Roman" panose="02020603050405020304" pitchFamily="18" charset="0"/>
+                <a:cs typeface="Times New Roman" panose="02020603050405020304" pitchFamily="18" charset="0"/>
+              </a:rPr>
               <a:t>Open CV  and Android Platform</a:t>
             </a:r>
           </a:p>
           <a:p>
             <a:r>
-              <a:rPr lang="de-DE" sz="2400" dirty="0"/>
+              <a:rPr lang="de-DE" sz="2400" dirty="0">
+                <a:latin typeface="Times New Roman" panose="02020603050405020304" pitchFamily="18" charset="0"/>
+                <a:cs typeface="Times New Roman" panose="02020603050405020304" pitchFamily="18" charset="0"/>
+              </a:rPr>
               <a:t>Experimental Results –  mobile AR system recognizing a scene and drawing simple augmentation overlays (grid lines and cube).</a:t>
             </a:r>
           </a:p>
           <a:p>
+            <a:pPr marL="0" indent="0">
+              <a:buNone/>
+            </a:pPr>
             <a:endParaRPr lang="de-DE" dirty="0"/>
           </a:p>
         </p:txBody>
@@ -3874,15 +4038,14 @@
           <a:bodyPr/>
           <a:lstStyle/>
           <a:p>
-            <a:pPr algn="l"/>
-            <a:r>
-              <a:rPr lang="en-US" sz="2800" dirty="0">
+            <a:r>
+              <a:rPr lang="en-US" sz="3200" b="1" dirty="0">
                 <a:latin typeface="Times New Roman" panose="02020603050405020304" pitchFamily="18" charset="0"/>
                 <a:cs typeface="Times New Roman" panose="02020603050405020304" pitchFamily="18" charset="0"/>
               </a:rPr>
               <a:t>Existing System Architecture</a:t>
             </a:r>
-            <a:endParaRPr lang="de-DE" sz="2800" dirty="0">
+            <a:endParaRPr lang="de-DE" sz="3200" b="1" dirty="0">
               <a:latin typeface="Times New Roman" panose="02020603050405020304" pitchFamily="18" charset="0"/>
               <a:cs typeface="Times New Roman" panose="02020603050405020304" pitchFamily="18" charset="0"/>
             </a:endParaRPr>
@@ -3989,10 +4152,16 @@
           <a:lstStyle/>
           <a:p>
             <a:r>
-              <a:rPr lang="en-US" dirty="0"/>
+              <a:rPr lang="en-US" sz="3200" b="1" dirty="0">
+                <a:latin typeface="Times New Roman" panose="02020603050405020304" pitchFamily="18" charset="0"/>
+                <a:cs typeface="Times New Roman" panose="02020603050405020304" pitchFamily="18" charset="0"/>
+              </a:rPr>
               <a:t>Planned System Architecture</a:t>
             </a:r>
-            <a:endParaRPr lang="de-DE" dirty="0"/>
+            <a:endParaRPr lang="de-DE" sz="3200" b="1" dirty="0">
+              <a:latin typeface="Times New Roman" panose="02020603050405020304" pitchFamily="18" charset="0"/>
+              <a:cs typeface="Times New Roman" panose="02020603050405020304" pitchFamily="18" charset="0"/>
+            </a:endParaRPr>
           </a:p>
         </p:txBody>
       </p:sp>
@@ -4095,15 +4264,14 @@
           <a:bodyPr/>
           <a:lstStyle/>
           <a:p>
-            <a:pPr algn="l"/>
-            <a:r>
-              <a:rPr lang="en-US" sz="2800" dirty="0">
+            <a:r>
+              <a:rPr lang="en-US" sz="3200" b="1" dirty="0">
                 <a:latin typeface="Times New Roman" panose="02020603050405020304" pitchFamily="18" charset="0"/>
                 <a:cs typeface="Times New Roman" panose="02020603050405020304" pitchFamily="18" charset="0"/>
               </a:rPr>
               <a:t>Implementation</a:t>
             </a:r>
-            <a:endParaRPr lang="de-DE" sz="2800" dirty="0">
+            <a:endParaRPr lang="de-DE" sz="3200" b="1" dirty="0">
               <a:latin typeface="Times New Roman" panose="02020603050405020304" pitchFamily="18" charset="0"/>
               <a:cs typeface="Times New Roman" panose="02020603050405020304" pitchFamily="18" charset="0"/>
             </a:endParaRPr>
@@ -4140,6 +4308,12 @@
             <a:r>
               <a:rPr lang="en-US" sz="1800" dirty="0"/>
               <a:t>Unity 3D</a:t>
+            </a:r>
+          </a:p>
+          <a:p>
+            <a:r>
+              <a:rPr lang="en-US" sz="1800" dirty="0"/>
+              <a:t>Android Studio</a:t>
             </a:r>
             <a:endParaRPr lang="de-DE" sz="1800" dirty="0"/>
           </a:p>
@@ -4219,10 +4393,16 @@
           <a:lstStyle/>
           <a:p>
             <a:r>
-              <a:rPr lang="en-US" dirty="0"/>
+              <a:rPr lang="en-US" sz="3200" b="1" dirty="0">
+                <a:latin typeface="Times New Roman" panose="02020603050405020304" pitchFamily="18" charset="0"/>
+                <a:cs typeface="Times New Roman" panose="02020603050405020304" pitchFamily="18" charset="0"/>
+              </a:rPr>
               <a:t>Client Apps</a:t>
             </a:r>
-            <a:endParaRPr lang="de-DE" dirty="0"/>
+            <a:endParaRPr lang="de-DE" sz="3200" b="1" dirty="0">
+              <a:latin typeface="Times New Roman" panose="02020603050405020304" pitchFamily="18" charset="0"/>
+              <a:cs typeface="Times New Roman" panose="02020603050405020304" pitchFamily="18" charset="0"/>
+            </a:endParaRPr>
           </a:p>
         </p:txBody>
       </p:sp>
@@ -4241,13 +4421,20 @@
           <a:bodyPr/>
           <a:lstStyle/>
           <a:p>
-            <a:r>
-              <a:rPr lang="en-US" dirty="0"/>
-              <a:t>Jet Fighter</a:t>
-            </a:r>
-          </a:p>
-          <a:p>
-            <a:endParaRPr lang="de-DE" dirty="0"/>
+            <a:pPr marL="0" indent="0">
+              <a:buNone/>
+            </a:pPr>
+            <a:r>
+              <a:rPr lang="en-US" sz="2400" dirty="0">
+                <a:latin typeface="Times New Roman" panose="02020603050405020304" pitchFamily="18" charset="0"/>
+                <a:cs typeface="Times New Roman" panose="02020603050405020304" pitchFamily="18" charset="0"/>
+              </a:rPr>
+              <a:t>Output of Jet Fighter </a:t>
+            </a:r>
+            <a:endParaRPr lang="de-DE" sz="2400" dirty="0">
+              <a:latin typeface="Times New Roman" panose="02020603050405020304" pitchFamily="18" charset="0"/>
+              <a:cs typeface="Times New Roman" panose="02020603050405020304" pitchFamily="18" charset="0"/>
+            </a:endParaRPr>
           </a:p>
         </p:txBody>
       </p:sp>
@@ -4349,10 +4536,16 @@
           <a:lstStyle/>
           <a:p>
             <a:r>
-              <a:rPr lang="en-US" dirty="0"/>
+              <a:rPr lang="en-US" sz="3200" b="1" dirty="0">
+                <a:latin typeface="Times New Roman" panose="02020603050405020304" pitchFamily="18" charset="0"/>
+                <a:cs typeface="Times New Roman" panose="02020603050405020304" pitchFamily="18" charset="0"/>
+              </a:rPr>
               <a:t>Client Apps</a:t>
             </a:r>
-            <a:endParaRPr lang="de-DE" dirty="0"/>
+            <a:endParaRPr lang="de-DE" sz="3200" b="1" dirty="0">
+              <a:latin typeface="Times New Roman" panose="02020603050405020304" pitchFamily="18" charset="0"/>
+              <a:cs typeface="Times New Roman" panose="02020603050405020304" pitchFamily="18" charset="0"/>
+            </a:endParaRPr>
           </a:p>
         </p:txBody>
       </p:sp>
@@ -4371,9 +4564,15 @@
           <a:bodyPr/>
           <a:lstStyle/>
           <a:p>
-            <a:r>
-              <a:rPr lang="en-US" dirty="0"/>
-              <a:t>3D Augmentation Overlay</a:t>
+            <a:pPr marL="0" indent="0">
+              <a:buNone/>
+            </a:pPr>
+            <a:r>
+              <a:rPr lang="en-US" sz="2400" dirty="0">
+                <a:latin typeface="Times New Roman" panose="02020603050405020304" pitchFamily="18" charset="0"/>
+                <a:cs typeface="Times New Roman" panose="02020603050405020304" pitchFamily="18" charset="0"/>
+              </a:rPr>
+              <a:t>Output of 3D Augmentation Overlay</a:t>
             </a:r>
           </a:p>
           <a:p>
@@ -4425,7 +4624,7 @@
         </p:blipFill>
         <p:spPr bwMode="auto">
           <a:xfrm>
-            <a:off x="1763688" y="3199485"/>
+            <a:off x="1909800" y="3350803"/>
             <a:ext cx="5400600" cy="2896515"/>
           </a:xfrm>
           <a:prstGeom prst="rect">
@@ -4472,42 +4671,57 @@
       </p:grpSpPr>
       <p:sp>
         <p:nvSpPr>
-          <p:cNvPr id="3" name="Content Placeholder 2"/>
+          <p:cNvPr id="2" name="Title 1"/>
           <p:cNvSpPr>
             <a:spLocks noGrp="1"/>
           </p:cNvSpPr>
           <p:nvPr>
-            <p:ph idx="1"/>
-          </p:nvPr>
-        </p:nvSpPr>
-        <p:spPr>
-          <a:xfrm>
-            <a:off x="251520" y="2348880"/>
-            <a:ext cx="8305800" cy="3429000"/>
-          </a:xfrm>
-        </p:spPr>
+            <p:ph type="title"/>
+          </p:nvPr>
+        </p:nvSpPr>
+        <p:spPr/>
         <p:txBody>
           <a:bodyPr/>
           <a:lstStyle/>
           <a:p>
-            <a:pPr marL="0" indent="0" algn="ctr">
+            <a:r>
+              <a:rPr lang="en-US" sz="3200" b="1" dirty="0">
+                <a:latin typeface="Times New Roman" panose="02020603050405020304" pitchFamily="18" charset="0"/>
+                <a:cs typeface="Times New Roman" panose="02020603050405020304" pitchFamily="18" charset="0"/>
+              </a:rPr>
+              <a:t>Client Apps</a:t>
+            </a:r>
+            <a:endParaRPr lang="de-DE" sz="3200" b="1" dirty="0">
+              <a:latin typeface="Times New Roman" panose="02020603050405020304" pitchFamily="18" charset="0"/>
+              <a:cs typeface="Times New Roman" panose="02020603050405020304" pitchFamily="18" charset="0"/>
+            </a:endParaRPr>
+          </a:p>
+        </p:txBody>
+      </p:sp>
+      <p:sp>
+        <p:nvSpPr>
+          <p:cNvPr id="3" name="Content Placeholder 2"/>
+          <p:cNvSpPr>
+            <a:spLocks noGrp="1"/>
+          </p:cNvSpPr>
+          <p:nvPr>
+            <p:ph idx="1"/>
+          </p:nvPr>
+        </p:nvSpPr>
+        <p:spPr/>
+        <p:txBody>
+          <a:bodyPr/>
+          <a:lstStyle/>
+          <a:p>
+            <a:pPr marL="0" indent="0">
               <a:buNone/>
             </a:pPr>
-            <a:endParaRPr lang="en-US" dirty="0"/>
-          </a:p>
-          <a:p>
-            <a:pPr marL="0" indent="0" algn="ctr">
-              <a:buNone/>
-            </a:pPr>
-            <a:endParaRPr lang="en-US" dirty="0"/>
-          </a:p>
-          <a:p>
-            <a:pPr marL="0" indent="0" algn="ctr">
-              <a:buNone/>
-            </a:pPr>
-            <a:r>
-              <a:rPr lang="en-US" dirty="0"/>
-              <a:t>Thank You!</a:t>
+            <a:r>
+              <a:rPr lang="en-US" sz="2400" dirty="0">
+                <a:latin typeface="Times New Roman" panose="02020603050405020304" pitchFamily="18" charset="0"/>
+                <a:cs typeface="Times New Roman" panose="02020603050405020304" pitchFamily="18" charset="0"/>
+              </a:rPr>
+              <a:t>Output of Feature Detection</a:t>
             </a:r>
             <a:endParaRPr lang="de-DE" dirty="0"/>
           </a:p>
@@ -4541,10 +4755,51 @@
           </a:p>
         </p:txBody>
       </p:sp>
+      <p:pic>
+        <p:nvPicPr>
+          <p:cNvPr id="1026" name="Picture 2" descr="https://lh6.googleusercontent.com/PjQlV_T6u32dGM4N_faB1TuSv4bovT69A9bSvGKzJ7FYT3biGMJyxbDx5peUz6fKunwovk_iHp13y8kDf6pEpzvQFVy6-ieUK1uhjYxiTD71nSazFXv0nobCtEv9TeNh9shyL0NL"/>
+          <p:cNvPicPr>
+            <a:picLocks noChangeAspect="1" noChangeArrowheads="1"/>
+          </p:cNvPicPr>
+          <p:nvPr/>
+        </p:nvPicPr>
+        <p:blipFill>
+          <a:blip r:embed="rId2">
+            <a:extLst>
+              <a:ext uri="{28A0092B-C50C-407E-A947-70E740481C1C}">
+                <a14:useLocalDpi xmlns:a14="http://schemas.microsoft.com/office/drawing/2010/main" val="0"/>
+              </a:ext>
+            </a:extLst>
+          </a:blip>
+          <a:srcRect/>
+          <a:stretch>
+            <a:fillRect/>
+          </a:stretch>
+        </p:blipFill>
+        <p:spPr bwMode="auto">
+          <a:xfrm>
+            <a:off x="1897863" y="3140968"/>
+            <a:ext cx="5194418" cy="3240360"/>
+          </a:xfrm>
+          <a:prstGeom prst="rect">
+            <a:avLst/>
+          </a:prstGeom>
+          <a:noFill/>
+          <a:extLst>
+            <a:ext uri="{909E8E84-426E-40DD-AFC4-6F175D3DCCD1}">
+              <a14:hiddenFill xmlns:a14="http://schemas.microsoft.com/office/drawing/2010/main">
+                <a:solidFill>
+                  <a:srgbClr val="FFFFFF"/>
+                </a:solidFill>
+              </a14:hiddenFill>
+            </a:ext>
+          </a:extLst>
+        </p:spPr>
+      </p:pic>
     </p:spTree>
     <p:extLst>
       <p:ext uri="{BB962C8B-B14F-4D97-AF65-F5344CB8AC3E}">
-        <p14:creationId xmlns:p14="http://schemas.microsoft.com/office/powerpoint/2010/main" val="533285218"/>
+        <p14:creationId xmlns:p14="http://schemas.microsoft.com/office/powerpoint/2010/main" val="590129159"/>
       </p:ext>
     </p:extLst>
   </p:cSld>

--- a/docs/MarkerlessAR_FinalDemo.pptx
+++ b/docs/MarkerlessAR_FinalDemo.pptx
@@ -14,9 +14,9 @@
     <p:sldId id="298" r:id="rId5"/>
     <p:sldId id="302" r:id="rId6"/>
     <p:sldId id="299" r:id="rId7"/>
-    <p:sldId id="304" r:id="rId8"/>
-    <p:sldId id="305" r:id="rId9"/>
-    <p:sldId id="308" r:id="rId10"/>
+    <p:sldId id="308" r:id="rId8"/>
+    <p:sldId id="304" r:id="rId9"/>
+    <p:sldId id="305" r:id="rId10"/>
     <p:sldId id="306" r:id="rId11"/>
   </p:sldIdLst>
   <p:sldSz cx="9144000" cy="6858000" type="screen4x3"/>
@@ -4429,12 +4429,9 @@
                 <a:latin typeface="Times New Roman" panose="02020603050405020304" pitchFamily="18" charset="0"/>
                 <a:cs typeface="Times New Roman" panose="02020603050405020304" pitchFamily="18" charset="0"/>
               </a:rPr>
-              <a:t>Output of Jet Fighter </a:t>
-            </a:r>
-            <a:endParaRPr lang="de-DE" sz="2400" dirty="0">
-              <a:latin typeface="Times New Roman" panose="02020603050405020304" pitchFamily="18" charset="0"/>
-              <a:cs typeface="Times New Roman" panose="02020603050405020304" pitchFamily="18" charset="0"/>
-            </a:endParaRPr>
+              <a:t>Output of Feature Detection</a:t>
+            </a:r>
+            <a:endParaRPr lang="de-DE" dirty="0"/>
           </a:p>
         </p:txBody>
       </p:sp>
@@ -4461,295 +4458,6 @@
               <a:rPr lang="de-DE" smtClean="0"/>
               <a:pPr/>
               <a:t>6</a:t>
-            </a:fld>
-            <a:endParaRPr lang="de-DE" sz="1400"/>
-          </a:p>
-        </p:txBody>
-      </p:sp>
-      <p:pic>
-        <p:nvPicPr>
-          <p:cNvPr id="5" name="Picture 4"/>
-          <p:cNvPicPr>
-            <a:picLocks noChangeAspect="1"/>
-          </p:cNvPicPr>
-          <p:nvPr/>
-        </p:nvPicPr>
-        <p:blipFill>
-          <a:blip r:embed="rId2"/>
-          <a:stretch>
-            <a:fillRect/>
-          </a:stretch>
-        </p:blipFill>
-        <p:spPr>
-          <a:xfrm>
-            <a:off x="1943100" y="3164067"/>
-            <a:ext cx="5334000" cy="2876550"/>
-          </a:xfrm>
-          <a:prstGeom prst="rect">
-            <a:avLst/>
-          </a:prstGeom>
-        </p:spPr>
-      </p:pic>
-    </p:spTree>
-    <p:extLst>
-      <p:ext uri="{BB962C8B-B14F-4D97-AF65-F5344CB8AC3E}">
-        <p14:creationId xmlns:p14="http://schemas.microsoft.com/office/powerpoint/2010/main" val="4063952005"/>
-      </p:ext>
-    </p:extLst>
-  </p:cSld>
-  <p:clrMapOvr>
-    <a:masterClrMapping/>
-  </p:clrMapOvr>
-</p:sld>
-</file>
-
-<file path=ppt/slides/slide8.xml><?xml version="1.0" encoding="utf-8"?>
-<p:sld xmlns:a="http://schemas.openxmlformats.org/drawingml/2006/main" xmlns:r="http://schemas.openxmlformats.org/officeDocument/2006/relationships" xmlns:p="http://schemas.openxmlformats.org/presentationml/2006/main">
-  <p:cSld>
-    <p:spTree>
-      <p:nvGrpSpPr>
-        <p:cNvPr id="1" name=""/>
-        <p:cNvGrpSpPr/>
-        <p:nvPr/>
-      </p:nvGrpSpPr>
-      <p:grpSpPr>
-        <a:xfrm>
-          <a:off x="0" y="0"/>
-          <a:ext cx="0" cy="0"/>
-          <a:chOff x="0" y="0"/>
-          <a:chExt cx="0" cy="0"/>
-        </a:xfrm>
-      </p:grpSpPr>
-      <p:sp>
-        <p:nvSpPr>
-          <p:cNvPr id="2" name="Title 1"/>
-          <p:cNvSpPr>
-            <a:spLocks noGrp="1"/>
-          </p:cNvSpPr>
-          <p:nvPr>
-            <p:ph type="title"/>
-          </p:nvPr>
-        </p:nvSpPr>
-        <p:spPr/>
-        <p:txBody>
-          <a:bodyPr/>
-          <a:lstStyle/>
-          <a:p>
-            <a:r>
-              <a:rPr lang="en-US" sz="3200" b="1" dirty="0">
-                <a:latin typeface="Times New Roman" panose="02020603050405020304" pitchFamily="18" charset="0"/>
-                <a:cs typeface="Times New Roman" panose="02020603050405020304" pitchFamily="18" charset="0"/>
-              </a:rPr>
-              <a:t>Client Apps</a:t>
-            </a:r>
-            <a:endParaRPr lang="de-DE" sz="3200" b="1" dirty="0">
-              <a:latin typeface="Times New Roman" panose="02020603050405020304" pitchFamily="18" charset="0"/>
-              <a:cs typeface="Times New Roman" panose="02020603050405020304" pitchFamily="18" charset="0"/>
-            </a:endParaRPr>
-          </a:p>
-        </p:txBody>
-      </p:sp>
-      <p:sp>
-        <p:nvSpPr>
-          <p:cNvPr id="3" name="Content Placeholder 2"/>
-          <p:cNvSpPr>
-            <a:spLocks noGrp="1"/>
-          </p:cNvSpPr>
-          <p:nvPr>
-            <p:ph idx="1"/>
-          </p:nvPr>
-        </p:nvSpPr>
-        <p:spPr/>
-        <p:txBody>
-          <a:bodyPr/>
-          <a:lstStyle/>
-          <a:p>
-            <a:pPr marL="0" indent="0">
-              <a:buNone/>
-            </a:pPr>
-            <a:r>
-              <a:rPr lang="en-US" sz="2400" dirty="0">
-                <a:latin typeface="Times New Roman" panose="02020603050405020304" pitchFamily="18" charset="0"/>
-                <a:cs typeface="Times New Roman" panose="02020603050405020304" pitchFamily="18" charset="0"/>
-              </a:rPr>
-              <a:t>Output of 3D Augmentation Overlay</a:t>
-            </a:r>
-          </a:p>
-          <a:p>
-            <a:endParaRPr lang="de-DE" dirty="0"/>
-          </a:p>
-        </p:txBody>
-      </p:sp>
-      <p:sp>
-        <p:nvSpPr>
-          <p:cNvPr id="4" name="Slide Number Placeholder 3"/>
-          <p:cNvSpPr>
-            <a:spLocks noGrp="1"/>
-          </p:cNvSpPr>
-          <p:nvPr>
-            <p:ph type="sldNum" sz="quarter" idx="10"/>
-          </p:nvPr>
-        </p:nvSpPr>
-        <p:spPr/>
-        <p:txBody>
-          <a:bodyPr/>
-          <a:lstStyle/>
-          <a:p>
-            <a:r>
-              <a:rPr lang="de-DE"/>
-              <a:t>Seite </a:t>
-            </a:r>
-            <a:fld id="{4AEBADC7-4A78-4A5F-BE89-B1BF7900E49E}" type="slidenum">
-              <a:rPr lang="de-DE" smtClean="0"/>
-              <a:pPr/>
-              <a:t>7</a:t>
-            </a:fld>
-            <a:endParaRPr lang="de-DE" sz="1400"/>
-          </a:p>
-        </p:txBody>
-      </p:sp>
-      <p:pic>
-        <p:nvPicPr>
-          <p:cNvPr id="5" name="Content Placeholder 4"/>
-          <p:cNvPicPr>
-            <a:picLocks noChangeAspect="1"/>
-          </p:cNvPicPr>
-          <p:nvPr/>
-        </p:nvPicPr>
-        <p:blipFill>
-          <a:blip r:embed="rId2"/>
-          <a:stretch>
-            <a:fillRect/>
-          </a:stretch>
-        </p:blipFill>
-        <p:spPr bwMode="auto">
-          <a:xfrm>
-            <a:off x="1909800" y="3350803"/>
-            <a:ext cx="5400600" cy="2896515"/>
-          </a:xfrm>
-          <a:prstGeom prst="rect">
-            <a:avLst/>
-          </a:prstGeom>
-          <a:noFill/>
-          <a:ln w="9525">
-            <a:noFill/>
-            <a:miter lim="800000"/>
-            <a:headEnd/>
-            <a:tailEnd/>
-          </a:ln>
-        </p:spPr>
-      </p:pic>
-    </p:spTree>
-    <p:extLst>
-      <p:ext uri="{BB962C8B-B14F-4D97-AF65-F5344CB8AC3E}">
-        <p14:creationId xmlns:p14="http://schemas.microsoft.com/office/powerpoint/2010/main" val="3658483736"/>
-      </p:ext>
-    </p:extLst>
-  </p:cSld>
-  <p:clrMapOvr>
-    <a:masterClrMapping/>
-  </p:clrMapOvr>
-</p:sld>
-</file>
-
-<file path=ppt/slides/slide9.xml><?xml version="1.0" encoding="utf-8"?>
-<p:sld xmlns:a="http://schemas.openxmlformats.org/drawingml/2006/main" xmlns:r="http://schemas.openxmlformats.org/officeDocument/2006/relationships" xmlns:p="http://schemas.openxmlformats.org/presentationml/2006/main">
-  <p:cSld>
-    <p:spTree>
-      <p:nvGrpSpPr>
-        <p:cNvPr id="1" name=""/>
-        <p:cNvGrpSpPr/>
-        <p:nvPr/>
-      </p:nvGrpSpPr>
-      <p:grpSpPr>
-        <a:xfrm>
-          <a:off x="0" y="0"/>
-          <a:ext cx="0" cy="0"/>
-          <a:chOff x="0" y="0"/>
-          <a:chExt cx="0" cy="0"/>
-        </a:xfrm>
-      </p:grpSpPr>
-      <p:sp>
-        <p:nvSpPr>
-          <p:cNvPr id="2" name="Title 1"/>
-          <p:cNvSpPr>
-            <a:spLocks noGrp="1"/>
-          </p:cNvSpPr>
-          <p:nvPr>
-            <p:ph type="title"/>
-          </p:nvPr>
-        </p:nvSpPr>
-        <p:spPr/>
-        <p:txBody>
-          <a:bodyPr/>
-          <a:lstStyle/>
-          <a:p>
-            <a:r>
-              <a:rPr lang="en-US" sz="3200" b="1" dirty="0">
-                <a:latin typeface="Times New Roman" panose="02020603050405020304" pitchFamily="18" charset="0"/>
-                <a:cs typeface="Times New Roman" panose="02020603050405020304" pitchFamily="18" charset="0"/>
-              </a:rPr>
-              <a:t>Client Apps</a:t>
-            </a:r>
-            <a:endParaRPr lang="de-DE" sz="3200" b="1" dirty="0">
-              <a:latin typeface="Times New Roman" panose="02020603050405020304" pitchFamily="18" charset="0"/>
-              <a:cs typeface="Times New Roman" panose="02020603050405020304" pitchFamily="18" charset="0"/>
-            </a:endParaRPr>
-          </a:p>
-        </p:txBody>
-      </p:sp>
-      <p:sp>
-        <p:nvSpPr>
-          <p:cNvPr id="3" name="Content Placeholder 2"/>
-          <p:cNvSpPr>
-            <a:spLocks noGrp="1"/>
-          </p:cNvSpPr>
-          <p:nvPr>
-            <p:ph idx="1"/>
-          </p:nvPr>
-        </p:nvSpPr>
-        <p:spPr/>
-        <p:txBody>
-          <a:bodyPr/>
-          <a:lstStyle/>
-          <a:p>
-            <a:pPr marL="0" indent="0">
-              <a:buNone/>
-            </a:pPr>
-            <a:r>
-              <a:rPr lang="en-US" sz="2400" dirty="0">
-                <a:latin typeface="Times New Roman" panose="02020603050405020304" pitchFamily="18" charset="0"/>
-                <a:cs typeface="Times New Roman" panose="02020603050405020304" pitchFamily="18" charset="0"/>
-              </a:rPr>
-              <a:t>Output of Feature Detection</a:t>
-            </a:r>
-            <a:endParaRPr lang="de-DE" dirty="0"/>
-          </a:p>
-        </p:txBody>
-      </p:sp>
-      <p:sp>
-        <p:nvSpPr>
-          <p:cNvPr id="4" name="Slide Number Placeholder 3"/>
-          <p:cNvSpPr>
-            <a:spLocks noGrp="1"/>
-          </p:cNvSpPr>
-          <p:nvPr>
-            <p:ph type="sldNum" sz="quarter" idx="10"/>
-          </p:nvPr>
-        </p:nvSpPr>
-        <p:spPr/>
-        <p:txBody>
-          <a:bodyPr/>
-          <a:lstStyle/>
-          <a:p>
-            <a:r>
-              <a:rPr lang="de-DE"/>
-              <a:t>Seite </a:t>
-            </a:r>
-            <a:fld id="{4AEBADC7-4A78-4A5F-BE89-B1BF7900E49E}" type="slidenum">
-              <a:rPr lang="de-DE" smtClean="0"/>
-              <a:pPr/>
-              <a:t>8</a:t>
             </a:fld>
             <a:endParaRPr lang="de-DE" sz="1400"/>
           </a:p>
@@ -4800,6 +4508,298 @@
     <p:extLst>
       <p:ext uri="{BB962C8B-B14F-4D97-AF65-F5344CB8AC3E}">
         <p14:creationId xmlns:p14="http://schemas.microsoft.com/office/powerpoint/2010/main" val="590129159"/>
+      </p:ext>
+    </p:extLst>
+  </p:cSld>
+  <p:clrMapOvr>
+    <a:masterClrMapping/>
+  </p:clrMapOvr>
+</p:sld>
+</file>
+
+<file path=ppt/slides/slide8.xml><?xml version="1.0" encoding="utf-8"?>
+<p:sld xmlns:a="http://schemas.openxmlformats.org/drawingml/2006/main" xmlns:r="http://schemas.openxmlformats.org/officeDocument/2006/relationships" xmlns:p="http://schemas.openxmlformats.org/presentationml/2006/main">
+  <p:cSld>
+    <p:spTree>
+      <p:nvGrpSpPr>
+        <p:cNvPr id="1" name=""/>
+        <p:cNvGrpSpPr/>
+        <p:nvPr/>
+      </p:nvGrpSpPr>
+      <p:grpSpPr>
+        <a:xfrm>
+          <a:off x="0" y="0"/>
+          <a:ext cx="0" cy="0"/>
+          <a:chOff x="0" y="0"/>
+          <a:chExt cx="0" cy="0"/>
+        </a:xfrm>
+      </p:grpSpPr>
+      <p:sp>
+        <p:nvSpPr>
+          <p:cNvPr id="2" name="Title 1"/>
+          <p:cNvSpPr>
+            <a:spLocks noGrp="1"/>
+          </p:cNvSpPr>
+          <p:nvPr>
+            <p:ph type="title"/>
+          </p:nvPr>
+        </p:nvSpPr>
+        <p:spPr/>
+        <p:txBody>
+          <a:bodyPr/>
+          <a:lstStyle/>
+          <a:p>
+            <a:r>
+              <a:rPr lang="en-US" sz="3200" b="1" dirty="0">
+                <a:latin typeface="Times New Roman" panose="02020603050405020304" pitchFamily="18" charset="0"/>
+                <a:cs typeface="Times New Roman" panose="02020603050405020304" pitchFamily="18" charset="0"/>
+              </a:rPr>
+              <a:t>Client Apps</a:t>
+            </a:r>
+            <a:endParaRPr lang="de-DE" sz="3200" b="1" dirty="0">
+              <a:latin typeface="Times New Roman" panose="02020603050405020304" pitchFamily="18" charset="0"/>
+              <a:cs typeface="Times New Roman" panose="02020603050405020304" pitchFamily="18" charset="0"/>
+            </a:endParaRPr>
+          </a:p>
+        </p:txBody>
+      </p:sp>
+      <p:sp>
+        <p:nvSpPr>
+          <p:cNvPr id="3" name="Content Placeholder 2"/>
+          <p:cNvSpPr>
+            <a:spLocks noGrp="1"/>
+          </p:cNvSpPr>
+          <p:nvPr>
+            <p:ph idx="1"/>
+          </p:nvPr>
+        </p:nvSpPr>
+        <p:spPr/>
+        <p:txBody>
+          <a:bodyPr/>
+          <a:lstStyle/>
+          <a:p>
+            <a:pPr marL="0" indent="0">
+              <a:buNone/>
+            </a:pPr>
+            <a:r>
+              <a:rPr lang="en-US" sz="2400" dirty="0">
+                <a:latin typeface="Times New Roman" panose="02020603050405020304" pitchFamily="18" charset="0"/>
+                <a:cs typeface="Times New Roman" panose="02020603050405020304" pitchFamily="18" charset="0"/>
+              </a:rPr>
+              <a:t>Output of Jet Fighter </a:t>
+            </a:r>
+            <a:endParaRPr lang="de-DE" sz="2400" dirty="0">
+              <a:latin typeface="Times New Roman" panose="02020603050405020304" pitchFamily="18" charset="0"/>
+              <a:cs typeface="Times New Roman" panose="02020603050405020304" pitchFamily="18" charset="0"/>
+            </a:endParaRPr>
+          </a:p>
+        </p:txBody>
+      </p:sp>
+      <p:sp>
+        <p:nvSpPr>
+          <p:cNvPr id="4" name="Slide Number Placeholder 3"/>
+          <p:cNvSpPr>
+            <a:spLocks noGrp="1"/>
+          </p:cNvSpPr>
+          <p:nvPr>
+            <p:ph type="sldNum" sz="quarter" idx="10"/>
+          </p:nvPr>
+        </p:nvSpPr>
+        <p:spPr/>
+        <p:txBody>
+          <a:bodyPr/>
+          <a:lstStyle/>
+          <a:p>
+            <a:r>
+              <a:rPr lang="de-DE"/>
+              <a:t>Seite </a:t>
+            </a:r>
+            <a:fld id="{4AEBADC7-4A78-4A5F-BE89-B1BF7900E49E}" type="slidenum">
+              <a:rPr lang="de-DE" smtClean="0"/>
+              <a:pPr/>
+              <a:t>7</a:t>
+            </a:fld>
+            <a:endParaRPr lang="de-DE" sz="1400"/>
+          </a:p>
+        </p:txBody>
+      </p:sp>
+      <p:pic>
+        <p:nvPicPr>
+          <p:cNvPr id="5" name="Picture 4"/>
+          <p:cNvPicPr>
+            <a:picLocks noChangeAspect="1"/>
+          </p:cNvPicPr>
+          <p:nvPr/>
+        </p:nvPicPr>
+        <p:blipFill>
+          <a:blip r:embed="rId2"/>
+          <a:stretch>
+            <a:fillRect/>
+          </a:stretch>
+        </p:blipFill>
+        <p:spPr>
+          <a:xfrm>
+            <a:off x="1943100" y="3164067"/>
+            <a:ext cx="5334000" cy="2876550"/>
+          </a:xfrm>
+          <a:prstGeom prst="rect">
+            <a:avLst/>
+          </a:prstGeom>
+        </p:spPr>
+      </p:pic>
+    </p:spTree>
+    <p:extLst>
+      <p:ext uri="{BB962C8B-B14F-4D97-AF65-F5344CB8AC3E}">
+        <p14:creationId xmlns:p14="http://schemas.microsoft.com/office/powerpoint/2010/main" val="4063952005"/>
+      </p:ext>
+    </p:extLst>
+  </p:cSld>
+  <p:clrMapOvr>
+    <a:masterClrMapping/>
+  </p:clrMapOvr>
+</p:sld>
+</file>
+
+<file path=ppt/slides/slide9.xml><?xml version="1.0" encoding="utf-8"?>
+<p:sld xmlns:a="http://schemas.openxmlformats.org/drawingml/2006/main" xmlns:r="http://schemas.openxmlformats.org/officeDocument/2006/relationships" xmlns:p="http://schemas.openxmlformats.org/presentationml/2006/main">
+  <p:cSld>
+    <p:spTree>
+      <p:nvGrpSpPr>
+        <p:cNvPr id="1" name=""/>
+        <p:cNvGrpSpPr/>
+        <p:nvPr/>
+      </p:nvGrpSpPr>
+      <p:grpSpPr>
+        <a:xfrm>
+          <a:off x="0" y="0"/>
+          <a:ext cx="0" cy="0"/>
+          <a:chOff x="0" y="0"/>
+          <a:chExt cx="0" cy="0"/>
+        </a:xfrm>
+      </p:grpSpPr>
+      <p:sp>
+        <p:nvSpPr>
+          <p:cNvPr id="2" name="Title 1"/>
+          <p:cNvSpPr>
+            <a:spLocks noGrp="1"/>
+          </p:cNvSpPr>
+          <p:nvPr>
+            <p:ph type="title"/>
+          </p:nvPr>
+        </p:nvSpPr>
+        <p:spPr/>
+        <p:txBody>
+          <a:bodyPr/>
+          <a:lstStyle/>
+          <a:p>
+            <a:r>
+              <a:rPr lang="en-US" sz="3200" b="1" dirty="0">
+                <a:latin typeface="Times New Roman" panose="02020603050405020304" pitchFamily="18" charset="0"/>
+                <a:cs typeface="Times New Roman" panose="02020603050405020304" pitchFamily="18" charset="0"/>
+              </a:rPr>
+              <a:t>Client Apps</a:t>
+            </a:r>
+            <a:endParaRPr lang="de-DE" sz="3200" b="1" dirty="0">
+              <a:latin typeface="Times New Roman" panose="02020603050405020304" pitchFamily="18" charset="0"/>
+              <a:cs typeface="Times New Roman" panose="02020603050405020304" pitchFamily="18" charset="0"/>
+            </a:endParaRPr>
+          </a:p>
+        </p:txBody>
+      </p:sp>
+      <p:sp>
+        <p:nvSpPr>
+          <p:cNvPr id="3" name="Content Placeholder 2"/>
+          <p:cNvSpPr>
+            <a:spLocks noGrp="1"/>
+          </p:cNvSpPr>
+          <p:nvPr>
+            <p:ph idx="1"/>
+          </p:nvPr>
+        </p:nvSpPr>
+        <p:spPr/>
+        <p:txBody>
+          <a:bodyPr/>
+          <a:lstStyle/>
+          <a:p>
+            <a:pPr marL="0" indent="0">
+              <a:buNone/>
+            </a:pPr>
+            <a:r>
+              <a:rPr lang="en-US" sz="2400" dirty="0">
+                <a:latin typeface="Times New Roman" panose="02020603050405020304" pitchFamily="18" charset="0"/>
+                <a:cs typeface="Times New Roman" panose="02020603050405020304" pitchFamily="18" charset="0"/>
+              </a:rPr>
+              <a:t>Output of 3D Augmentation Overlay</a:t>
+            </a:r>
+          </a:p>
+          <a:p>
+            <a:endParaRPr lang="de-DE" dirty="0"/>
+          </a:p>
+        </p:txBody>
+      </p:sp>
+      <p:sp>
+        <p:nvSpPr>
+          <p:cNvPr id="4" name="Slide Number Placeholder 3"/>
+          <p:cNvSpPr>
+            <a:spLocks noGrp="1"/>
+          </p:cNvSpPr>
+          <p:nvPr>
+            <p:ph type="sldNum" sz="quarter" idx="10"/>
+          </p:nvPr>
+        </p:nvSpPr>
+        <p:spPr/>
+        <p:txBody>
+          <a:bodyPr/>
+          <a:lstStyle/>
+          <a:p>
+            <a:r>
+              <a:rPr lang="de-DE"/>
+              <a:t>Seite </a:t>
+            </a:r>
+            <a:fld id="{4AEBADC7-4A78-4A5F-BE89-B1BF7900E49E}" type="slidenum">
+              <a:rPr lang="de-DE" smtClean="0"/>
+              <a:pPr/>
+              <a:t>8</a:t>
+            </a:fld>
+            <a:endParaRPr lang="de-DE" sz="1400"/>
+          </a:p>
+        </p:txBody>
+      </p:sp>
+      <p:pic>
+        <p:nvPicPr>
+          <p:cNvPr id="5" name="Content Placeholder 4"/>
+          <p:cNvPicPr>
+            <a:picLocks noChangeAspect="1"/>
+          </p:cNvPicPr>
+          <p:nvPr/>
+        </p:nvPicPr>
+        <p:blipFill>
+          <a:blip r:embed="rId2"/>
+          <a:stretch>
+            <a:fillRect/>
+          </a:stretch>
+        </p:blipFill>
+        <p:spPr bwMode="auto">
+          <a:xfrm>
+            <a:off x="1909800" y="3350803"/>
+            <a:ext cx="5400600" cy="2896515"/>
+          </a:xfrm>
+          <a:prstGeom prst="rect">
+            <a:avLst/>
+          </a:prstGeom>
+          <a:noFill/>
+          <a:ln w="9525">
+            <a:noFill/>
+            <a:miter lim="800000"/>
+            <a:headEnd/>
+            <a:tailEnd/>
+          </a:ln>
+        </p:spPr>
+      </p:pic>
+    </p:spTree>
+    <p:extLst>
+      <p:ext uri="{BB962C8B-B14F-4D97-AF65-F5344CB8AC3E}">
+        <p14:creationId xmlns:p14="http://schemas.microsoft.com/office/powerpoint/2010/main" val="3658483736"/>
       </p:ext>
     </p:extLst>
   </p:cSld>
